--- a/배열기초강의문제.pptx
+++ b/배열기초강의문제.pptx
@@ -2,8 +2,8 @@
 <file path=ppt/presentation.xml><?xml version="1.0" encoding="utf-8"?>
 <p:presentation xmlns:r="http://schemas.openxmlformats.org/officeDocument/2006/relationships" xmlns:c="http://schemas.openxmlformats.org/drawingml/2006/chart" xmlns:a="http://schemas.openxmlformats.org/drawingml/2006/main" xmlns:dgm="http://schemas.openxmlformats.org/drawingml/2006/diagram" xmlns:dsp="http://schemas.microsoft.com/office/drawing/2008/diagram" xmlns:p="http://schemas.openxmlformats.org/presentationml/2006/main" showSpecialPlsOnTitleSld="0" saveSubsetFonts="1">
   <p:sldMasterIdLst>
-    <p:sldMasterId id="2147483697" r:id="rId1"/>
-    <p:sldMasterId id="2147483698" r:id="rId2"/>
+    <p:sldMasterId id="2147483703" r:id="rId1"/>
+    <p:sldMasterId id="2147483704" r:id="rId2"/>
   </p:sldMasterIdLst>
   <p:notesMasterIdLst>
     <p:notesMasterId r:id="rId3"/>
@@ -23840,7 +23840,7 @@
 </file>
 
 <file path=ppt/slides/slide11.xml><?xml version="1.0" encoding="utf-8"?>
-<p:sld xmlns:a="http://schemas.openxmlformats.org/drawingml/2006/main" xmlns:r="http://schemas.openxmlformats.org/officeDocument/2006/relationships" xmlns:p="http://schemas.openxmlformats.org/presentationml/2006/main">
+<p:sld xmlns:r="http://schemas.openxmlformats.org/officeDocument/2006/relationships" xmlns:c="http://schemas.openxmlformats.org/drawingml/2006/chart" xmlns:a="http://schemas.openxmlformats.org/drawingml/2006/main" xmlns:dgm="http://schemas.openxmlformats.org/drawingml/2006/diagram" xmlns:dsp="http://schemas.microsoft.com/office/drawing/2008/diagram" xmlns:p="http://schemas.openxmlformats.org/presentationml/2006/main">
   <p:cSld>
     <p:spTree>
       <p:nvGrpSpPr>
@@ -23871,12 +23871,17 @@
           <a:bodyPr/>
           <a:lstStyle/>
           <a:p>
+            <a:pPr lvl="0">
+              <a:defRPr/>
+            </a:pPr>
             <a:fld id="{2473D238-DD87-44D5-950F-1780A39DE334}" type="slidenum">
-              <a:rPr lang="ko-KR" altLang="en-US" smtClean="0"/>
-              <a:pPr/>
+              <a:rPr lang="en-US" altLang="en-US"/>
+              <a:pPr lvl="0">
+                <a:defRPr/>
+              </a:pPr>
               <a:t>11</a:t>
             </a:fld>
-            <a:endParaRPr lang="en-US" altLang="ko-KR" dirty="0"/>
+            <a:endParaRPr lang="en-US" altLang="en-US"/>
           </a:p>
         </p:txBody>
       </p:sp>
@@ -23895,6 +23900,13 @@
           <a:bodyPr/>
           <a:lstStyle/>
           <a:p>
+            <a:pPr lvl="0">
+              <a:defRPr/>
+            </a:pPr>
+            <a:r>
+              <a:rPr lang="ko-KR" altLang="en-US"/>
+              <a:t/>
+            </a:r>
             <a:endParaRPr lang="ko-KR" altLang="en-US"/>
           </a:p>
         </p:txBody>
@@ -23906,7 +23918,7 @@
             <a:spLocks noGrp="1"/>
           </p:cNvSpPr>
           <p:nvPr>
-            <p:ph type="title"/>
+            <p:ph type="title" idx="0"/>
           </p:nvPr>
         </p:nvSpPr>
         <p:spPr/>
@@ -23914,10 +23926,14 @@
           <a:bodyPr/>
           <a:lstStyle/>
           <a:p>
-            <a:r>
-              <a:rPr lang="ko-KR" altLang="en-US" dirty="0"/>
+            <a:pPr lvl="0">
+              <a:defRPr/>
+            </a:pPr>
+            <a:r>
+              <a:rPr lang="ko-KR" altLang="en-US"/>
               <a:t>함수에서 배열 이용</a:t>
             </a:r>
+            <a:endParaRPr lang="ko-KR" altLang="en-US"/>
           </a:p>
         </p:txBody>
       </p:sp>
@@ -23944,11 +23960,14 @@
           <a:bodyPr/>
           <a:lstStyle/>
           <a:p>
+            <a:pPr lvl="0">
+              <a:defRPr/>
+            </a:pPr>
             <a:r>
               <a:rPr lang="en-US" altLang="ko-KR"/>
               <a:t>www.woori.ac.kr</a:t>
             </a:r>
-            <a:endParaRPr lang="en-US" altLang="ko-KR" dirty="0"/>
+            <a:endParaRPr lang="en-US" altLang="ko-KR"/>
           </a:p>
         </p:txBody>
       </p:sp>
@@ -23958,13 +23977,7 @@
           <p:cNvGraphicFramePr>
             <a:graphicFrameLocks noChangeAspect="1"/>
           </p:cNvGraphicFramePr>
-          <p:nvPr>
-            <p:extLst>
-              <p:ext uri="{D42A27DB-BD31-4B8C-83A1-F6EECF244321}">
-                <p14:modId xmlns:p14="http://schemas.microsoft.com/office/powerpoint/2010/main" val="1480175412"/>
-              </p:ext>
-            </p:extLst>
-          </p:nvPr>
+          <p:nvPr/>
         </p:nvGraphicFramePr>
         <p:xfrm>
           <a:off x="281353" y="173783"/>
@@ -23972,40 +23985,9 @@
         </p:xfrm>
         <a:graphic>
           <a:graphicData uri="http://schemas.openxmlformats.org/presentationml/2006/ole">
-            <mc:AlternateContent xmlns:mc="http://schemas.openxmlformats.org/markup-compatibility/2006">
-              <mc:Choice xmlns:v="urn:schemas-microsoft-com:vml" Requires="v">
-                <p:oleObj spid="_x0000_s2075" name="비트맵 이미지" r:id="rId4" imgW="6286680" imgH="6076800" progId="Paint.Picture">
-                  <p:embed/>
-                </p:oleObj>
-              </mc:Choice>
-              <mc:Fallback>
-                <p:oleObj name="비트맵 이미지" r:id="rId4" imgW="6286680" imgH="6076800" progId="Paint.Picture">
-                  <p:embed/>
-                  <p:pic>
-                    <p:nvPicPr>
-                      <p:cNvPr id="0" name=""/>
-                      <p:cNvPicPr/>
-                      <p:nvPr/>
-                    </p:nvPicPr>
-                    <p:blipFill>
-                      <a:blip r:embed="rId5"/>
-                      <a:stretch>
-                        <a:fillRect/>
-                      </a:stretch>
-                    </p:blipFill>
-                    <p:spPr>
-                      <a:xfrm>
-                        <a:off x="281353" y="173783"/>
-                        <a:ext cx="6705541" cy="6820119"/>
-                      </a:xfrm>
-                      <a:prstGeom prst="rect">
-                        <a:avLst/>
-                      </a:prstGeom>
-                    </p:spPr>
-                  </p:pic>
-                </p:oleObj>
-              </mc:Fallback>
-            </mc:AlternateContent>
+            <p:oleObj spid="_x0000_s3076" name="비트맵 이미지" r:id="rId4" imgW="6286680" imgH="6076800" progId="Paint.Picture">
+              <p:embed/>
+            </p:oleObj>
           </a:graphicData>
         </a:graphic>
       </p:graphicFrame>
@@ -24044,19 +24026,22 @@
           </a:bodyPr>
           <a:lstStyle/>
           <a:p>
-            <a:r>
-              <a:rPr lang="en-US" altLang="ko-KR" dirty="0"/>
+            <a:pPr lvl="0">
+              <a:defRPr/>
+            </a:pPr>
+            <a:r>
+              <a:rPr lang="en-US" altLang="ko-KR"/>
               <a:t>p269 </a:t>
             </a:r>
             <a:r>
-              <a:rPr lang="ko-KR" altLang="en-US" dirty="0" err="1"/>
+              <a:rPr lang="ko-KR" altLang="en-US"/>
               <a:t>실습예제</a:t>
             </a:r>
             <a:r>
-              <a:rPr lang="en-US" altLang="ko-KR" dirty="0"/>
+              <a:rPr lang="en-US" altLang="ko-KR"/>
               <a:t>7-5</a:t>
             </a:r>
-            <a:endParaRPr lang="ko-KR" altLang="en-US" dirty="0"/>
+            <a:endParaRPr lang="ko-KR" altLang="en-US"/>
           </a:p>
         </p:txBody>
       </p:sp>
@@ -24068,15 +24053,15 @@
           </p:cNvPicPr>
           <p:nvPr/>
         </p:nvPicPr>
-        <p:blipFill>
-          <a:blip r:embed="rId6"/>
+        <p:blipFill rotWithShape="1">
+          <a:blip r:embed="rId5"/>
           <a:stretch>
             <a:fillRect/>
           </a:stretch>
         </p:blipFill>
         <p:spPr>
           <a:xfrm>
-            <a:off x="5089656" y="691693"/>
+            <a:off x="4954868" y="700679"/>
             <a:ext cx="4318113" cy="2883214"/>
           </a:xfrm>
           <a:prstGeom prst="rect">
@@ -24090,7 +24075,7 @@
           <p:cNvSpPr/>
           <p:nvPr/>
         </p:nvSpPr>
-        <p:spPr bwMode="auto">
+        <p:spPr>
           <a:xfrm>
             <a:off x="797040" y="2133300"/>
             <a:ext cx="2924972" cy="1080120"/>
@@ -24101,10 +24086,8 @@
           <a:noFill/>
           <a:ln>
             <a:solidFill>
-              <a:srgbClr val="FF0000"/>
+              <a:srgbClr val="ff0000"/>
             </a:solidFill>
-            <a:headEnd type="none" w="med" len="med"/>
-            <a:tailEnd type="none" w="med" len="med"/>
           </a:ln>
         </p:spPr>
         <p:style>
@@ -24122,26 +24105,27 @@
           </a:fontRef>
         </p:style>
         <p:txBody>
-          <a:bodyPr vert="horz" wrap="square" lIns="91440" tIns="45720" rIns="91440" bIns="45720" numCol="1" rtlCol="0" anchor="t" anchorCtr="0" compatLnSpc="1">
+          <a:bodyPr vert="horz" wrap="square" lIns="91440" tIns="45720" rIns="91440" bIns="45720" anchor="t" anchorCtr="0">
             <a:prstTxWarp prst="textNoShape">
               <a:avLst/>
             </a:prstTxWarp>
           </a:bodyPr>
           <a:lstStyle/>
           <a:p>
-            <a:pPr fontAlgn="base" latinLnBrk="0">
+            <a:pPr latinLnBrk="0">
               <a:spcBef>
                 <a:spcPct val="0"/>
               </a:spcBef>
               <a:spcAft>
                 <a:spcPct val="0"/>
               </a:spcAft>
+              <a:defRPr/>
             </a:pPr>
             <a:endParaRPr lang="ko-KR" altLang="en-US">
               <a:solidFill>
                 <a:schemeClr val="tx1"/>
               </a:solidFill>
-              <a:latin typeface="Arial" charset="0"/>
+              <a:latin typeface="Arial"/>
             </a:endParaRPr>
           </a:p>
         </p:txBody>
@@ -24152,7 +24136,7 @@
           <p:cNvSpPr/>
           <p:nvPr/>
         </p:nvSpPr>
-        <p:spPr bwMode="auto">
+        <p:spPr>
           <a:xfrm>
             <a:off x="797040" y="5595922"/>
             <a:ext cx="6189855" cy="927970"/>
@@ -24163,10 +24147,8 @@
           <a:noFill/>
           <a:ln>
             <a:solidFill>
-              <a:srgbClr val="FF0000"/>
+              <a:srgbClr val="ff0000"/>
             </a:solidFill>
-            <a:headEnd type="none" w="med" len="med"/>
-            <a:tailEnd type="none" w="med" len="med"/>
           </a:ln>
         </p:spPr>
         <p:style>
@@ -24184,26 +24166,27 @@
           </a:fontRef>
         </p:style>
         <p:txBody>
-          <a:bodyPr vert="horz" wrap="square" lIns="91440" tIns="45720" rIns="91440" bIns="45720" numCol="1" rtlCol="0" anchor="t" anchorCtr="0" compatLnSpc="1">
+          <a:bodyPr vert="horz" wrap="square" lIns="91440" tIns="45720" rIns="91440" bIns="45720" anchor="t" anchorCtr="0">
             <a:prstTxWarp prst="textNoShape">
               <a:avLst/>
             </a:prstTxWarp>
           </a:bodyPr>
           <a:lstStyle/>
           <a:p>
-            <a:pPr fontAlgn="base" latinLnBrk="0">
+            <a:pPr latinLnBrk="0">
               <a:spcBef>
                 <a:spcPct val="0"/>
               </a:spcBef>
               <a:spcAft>
                 <a:spcPct val="0"/>
               </a:spcAft>
+              <a:defRPr/>
             </a:pPr>
             <a:endParaRPr lang="ko-KR" altLang="en-US">
               <a:solidFill>
                 <a:schemeClr val="tx1"/>
               </a:solidFill>
-              <a:latin typeface="Arial" charset="0"/>
+              <a:latin typeface="Arial"/>
             </a:endParaRPr>
           </a:p>
         </p:txBody>
@@ -24217,7 +24200,7 @@
         <p:spPr>
           <a:xfrm>
             <a:off x="4987661" y="5226590"/>
-            <a:ext cx="2345514" cy="369332"/>
+            <a:ext cx="2333253" cy="369332"/>
           </a:xfrm>
           <a:prstGeom prst="rect">
             <a:avLst/>
@@ -24238,19 +24221,23 @@
           </a:fontRef>
         </p:style>
         <p:txBody>
-          <a:bodyPr wrap="none" rtlCol="0">
+          <a:bodyPr wrap="none">
             <a:spAutoFit/>
           </a:bodyPr>
           <a:lstStyle/>
           <a:p>
-            <a:r>
-              <a:rPr lang="en-US" altLang="ko-KR" dirty="0"/>
+            <a:pPr lvl="0">
+              <a:defRPr/>
+            </a:pPr>
+            <a:r>
+              <a:rPr lang="en-US" altLang="ko-KR"/>
               <a:t>output() </a:t>
             </a:r>
             <a:r>
-              <a:rPr lang="ko-KR" altLang="en-US" dirty="0"/>
+              <a:rPr lang="ko-KR" altLang="en-US"/>
               <a:t>함수로 작성</a:t>
             </a:r>
+            <a:endParaRPr lang="ko-KR" altLang="en-US"/>
           </a:p>
         </p:txBody>
       </p:sp>
@@ -24284,32 +24271,39 @@
           </a:fontRef>
         </p:style>
         <p:txBody>
-          <a:bodyPr wrap="square" rtlCol="0">
+          <a:bodyPr wrap="square">
             <a:spAutoFit/>
           </a:bodyPr>
           <a:lstStyle/>
           <a:p>
-            <a:r>
-              <a:rPr lang="en-US" altLang="ko-KR" sz="1600" dirty="0"/>
+            <a:pPr lvl="0">
+              <a:defRPr/>
+            </a:pPr>
+            <a:r>
+              <a:rPr lang="en-US" altLang="ko-KR" sz="1600"/>
               <a:t>input() </a:t>
             </a:r>
             <a:r>
-              <a:rPr lang="ko-KR" altLang="en-US" sz="1600" dirty="0"/>
+              <a:rPr lang="ko-KR" altLang="en-US" sz="1600"/>
               <a:t>함수로 작성</a:t>
             </a:r>
+            <a:endParaRPr lang="ko-KR" altLang="en-US" sz="1600"/>
           </a:p>
         </p:txBody>
       </p:sp>
     </p:spTree>
-    <p:extLst>
-      <p:ext uri="{BB962C8B-B14F-4D97-AF65-F5344CB8AC3E}">
-        <p14:creationId xmlns:p14="http://schemas.microsoft.com/office/powerpoint/2010/main" val="1319874956"/>
-      </p:ext>
-    </p:extLst>
   </p:cSld>
   <p:clrMapOvr>
     <a:masterClrMapping/>
   </p:clrMapOvr>
+  <mc:AlternateContent xmlns:mc="http://schemas.openxmlformats.org/markup-compatibility/2006">
+    <mc:Choice xmlns:p14="http://schemas.microsoft.com/office/powerpoint/2010/main" Requires="p14">
+      <p:transition xmlns:mc="http://schemas.openxmlformats.org/markup-compatibility/2006" xmlns:p14="http://schemas.microsoft.com/office/powerpoint/2010/main" mc:Ignorable="p14" p14:dur="500"/>
+    </mc:Choice>
+    <mc:Fallback>
+      <p:transition/>
+    </mc:Fallback>
+  </mc:AlternateContent>
 </p:sld>
 </file>
 
